--- a/PP_MAL_ENGELSK.pptx
+++ b/PP_MAL_ENGELSK.pptx
@@ -210,7 +210,7 @@
           <a:p>
             <a:fld id="{FE3CBABE-916E-4AAD-B057-5389DC7DF64C}" type="datetimeFigureOut">
               <a:rPr lang="nb-NO" smtClean="0"/>
-              <a:t>22.12.2021</a:t>
+              <a:t>13.07.2022</a:t>
             </a:fld>
             <a:endParaRPr lang="nb-NO"/>
           </a:p>
@@ -1035,7 +1035,7 @@
             <a:fld id="{CC918E41-4448-4E79-865F-42013EA6E1CC}" type="datetime1">
               <a:rPr lang="en-GB" smtClean="0"/>
               <a:pPr/>
-              <a:t>22/12/2021</a:t>
+              <a:t>13/07/2022</a:t>
             </a:fld>
             <a:endParaRPr lang="en-GB" dirty="0"/>
           </a:p>
@@ -2824,6 +2824,88 @@
 </file>
 
 <file path=ppt/slideLayouts/slideLayout17.xml><?xml version="1.0" encoding="utf-8"?>
+<p:sldLayout xmlns:a="http://schemas.openxmlformats.org/drawingml/2006/main" xmlns:r="http://schemas.openxmlformats.org/officeDocument/2006/relationships" xmlns:p="http://schemas.openxmlformats.org/presentationml/2006/main" preserve="1" userDrawn="1">
+  <p:cSld name="Nøytral uten logo">
+    <p:spTree>
+      <p:nvGrpSpPr>
+        <p:cNvPr id="1" name=""/>
+        <p:cNvGrpSpPr/>
+        <p:nvPr/>
+      </p:nvGrpSpPr>
+      <p:grpSpPr>
+        <a:xfrm>
+          <a:off x="0" y="0"/>
+          <a:ext cx="0" cy="0"/>
+          <a:chOff x="0" y="0"/>
+          <a:chExt cx="0" cy="0"/>
+        </a:xfrm>
+      </p:grpSpPr>
+      <p:sp>
+        <p:nvSpPr>
+          <p:cNvPr id="5" name="Rektangel 4">
+            <a:extLst>
+              <a:ext uri="{FF2B5EF4-FFF2-40B4-BE49-F238E27FC236}">
+                <a16:creationId xmlns:a16="http://schemas.microsoft.com/office/drawing/2014/main" id="{1B7851C7-FEFA-8AA9-04BC-606550F8334B}"/>
+              </a:ext>
+            </a:extLst>
+          </p:cNvPr>
+          <p:cNvSpPr/>
+          <p:nvPr userDrawn="1"/>
+        </p:nvSpPr>
+        <p:spPr>
+          <a:xfrm>
+            <a:off x="107576" y="4525896"/>
+            <a:ext cx="1160290" cy="507146"/>
+          </a:xfrm>
+          <a:prstGeom prst="rect">
+            <a:avLst/>
+          </a:prstGeom>
+          <a:solidFill>
+            <a:schemeClr val="bg1"/>
+          </a:solidFill>
+          <a:ln>
+            <a:noFill/>
+          </a:ln>
+        </p:spPr>
+        <p:style>
+          <a:lnRef idx="2">
+            <a:schemeClr val="accent1">
+              <a:shade val="50000"/>
+            </a:schemeClr>
+          </a:lnRef>
+          <a:fillRef idx="1">
+            <a:schemeClr val="accent1"/>
+          </a:fillRef>
+          <a:effectRef idx="0">
+            <a:schemeClr val="accent1"/>
+          </a:effectRef>
+          <a:fontRef idx="minor">
+            <a:schemeClr val="lt1"/>
+          </a:fontRef>
+        </p:style>
+        <p:txBody>
+          <a:bodyPr rtlCol="0" anchor="ctr"/>
+          <a:lstStyle/>
+          <a:p>
+            <a:pPr algn="ctr"/>
+            <a:endParaRPr lang="nb-NO"/>
+          </a:p>
+        </p:txBody>
+      </p:sp>
+    </p:spTree>
+    <p:extLst>
+      <p:ext uri="{BB962C8B-B14F-4D97-AF65-F5344CB8AC3E}">
+        <p14:creationId xmlns:p14="http://schemas.microsoft.com/office/powerpoint/2010/main" val="4040030233"/>
+      </p:ext>
+    </p:extLst>
+  </p:cSld>
+  <p:clrMapOvr>
+    <a:masterClrMapping/>
+  </p:clrMapOvr>
+</p:sldLayout>
+</file>
+
+<file path=ppt/slideLayouts/slideLayout18.xml><?xml version="1.0" encoding="utf-8"?>
 <p:sldLayout xmlns:a="http://schemas.openxmlformats.org/drawingml/2006/main" xmlns:r="http://schemas.openxmlformats.org/officeDocument/2006/relationships" xmlns:p="http://schemas.openxmlformats.org/presentationml/2006/main" type="title" preserve="1">
   <p:cSld name="Tittellysbilde">
     <p:spTree>
@@ -2976,7 +3058,7 @@
 </p:sldLayout>
 </file>
 
-<file path=ppt/slideLayouts/slideLayout18.xml><?xml version="1.0" encoding="utf-8"?>
+<file path=ppt/slideLayouts/slideLayout19.xml><?xml version="1.0" encoding="utf-8"?>
 <p:sldLayout xmlns:a="http://schemas.openxmlformats.org/drawingml/2006/main" xmlns:r="http://schemas.openxmlformats.org/officeDocument/2006/relationships" xmlns:p="http://schemas.openxmlformats.org/presentationml/2006/main" type="obj" preserve="1">
   <p:cSld name="Tittel og innhold">
     <p:spTree>
@@ -3161,269 +3243,6 @@
     <p:extLst>
       <p:ext uri="{BB962C8B-B14F-4D97-AF65-F5344CB8AC3E}">
         <p14:creationId xmlns:p14="http://schemas.microsoft.com/office/powerpoint/2010/main" val="2213739757"/>
-      </p:ext>
-    </p:extLst>
-  </p:cSld>
-  <p:clrMapOvr>
-    <a:masterClrMapping/>
-  </p:clrMapOvr>
-</p:sldLayout>
-</file>
-
-<file path=ppt/slideLayouts/slideLayout19.xml><?xml version="1.0" encoding="utf-8"?>
-<p:sldLayout xmlns:a="http://schemas.openxmlformats.org/drawingml/2006/main" xmlns:r="http://schemas.openxmlformats.org/officeDocument/2006/relationships" xmlns:p="http://schemas.openxmlformats.org/presentationml/2006/main" type="secHead" preserve="1">
-  <p:cSld name="Deloverskrift">
-    <p:spTree>
-      <p:nvGrpSpPr>
-        <p:cNvPr id="1" name=""/>
-        <p:cNvGrpSpPr/>
-        <p:nvPr/>
-      </p:nvGrpSpPr>
-      <p:grpSpPr>
-        <a:xfrm>
-          <a:off x="0" y="0"/>
-          <a:ext cx="0" cy="0"/>
-          <a:chOff x="0" y="0"/>
-          <a:chExt cx="0" cy="0"/>
-        </a:xfrm>
-      </p:grpSpPr>
-      <p:sp>
-        <p:nvSpPr>
-          <p:cNvPr id="2" name="Tittel 1"/>
-          <p:cNvSpPr>
-            <a:spLocks noGrp="1"/>
-          </p:cNvSpPr>
-          <p:nvPr>
-            <p:ph type="title" hasCustomPrompt="1"/>
-          </p:nvPr>
-        </p:nvSpPr>
-        <p:spPr>
-          <a:xfrm>
-            <a:off x="623888" y="1282700"/>
-            <a:ext cx="7886700" cy="2140213"/>
-          </a:xfrm>
-        </p:spPr>
-        <p:txBody>
-          <a:bodyPr anchor="b"/>
-          <a:lstStyle>
-            <a:lvl1pPr>
-              <a:defRPr sz="4500"/>
-            </a:lvl1pPr>
-          </a:lstStyle>
-          <a:p>
-            <a:r>
-              <a:rPr lang="nb-NO" dirty="0"/>
-              <a:t>Klikk for å legge til tittel</a:t>
-            </a:r>
-            <a:endParaRPr lang="en-GB" dirty="0"/>
-          </a:p>
-        </p:txBody>
-      </p:sp>
-      <p:sp>
-        <p:nvSpPr>
-          <p:cNvPr id="3" name="Plassholder for tekst 2"/>
-          <p:cNvSpPr>
-            <a:spLocks noGrp="1"/>
-          </p:cNvSpPr>
-          <p:nvPr>
-            <p:ph type="body" idx="1" hasCustomPrompt="1"/>
-          </p:nvPr>
-        </p:nvSpPr>
-        <p:spPr>
-          <a:xfrm>
-            <a:off x="623888" y="3443160"/>
-            <a:ext cx="7886700" cy="1125488"/>
-          </a:xfrm>
-        </p:spPr>
-        <p:txBody>
-          <a:bodyPr/>
-          <a:lstStyle>
-            <a:lvl1pPr marL="0" indent="0">
-              <a:buNone/>
-              <a:defRPr sz="1800">
-                <a:solidFill>
-                  <a:schemeClr val="tx1">
-                    <a:tint val="75000"/>
-                  </a:schemeClr>
-                </a:solidFill>
-              </a:defRPr>
-            </a:lvl1pPr>
-            <a:lvl2pPr marL="342900" indent="0">
-              <a:buNone/>
-              <a:defRPr sz="1500">
-                <a:solidFill>
-                  <a:schemeClr val="tx1">
-                    <a:tint val="75000"/>
-                  </a:schemeClr>
-                </a:solidFill>
-              </a:defRPr>
-            </a:lvl2pPr>
-            <a:lvl3pPr marL="685800" indent="0">
-              <a:buNone/>
-              <a:defRPr sz="1350">
-                <a:solidFill>
-                  <a:schemeClr val="tx1">
-                    <a:tint val="75000"/>
-                  </a:schemeClr>
-                </a:solidFill>
-              </a:defRPr>
-            </a:lvl3pPr>
-            <a:lvl4pPr marL="1028700" indent="0">
-              <a:buNone/>
-              <a:defRPr sz="1200">
-                <a:solidFill>
-                  <a:schemeClr val="tx1">
-                    <a:tint val="75000"/>
-                  </a:schemeClr>
-                </a:solidFill>
-              </a:defRPr>
-            </a:lvl4pPr>
-            <a:lvl5pPr marL="1371600" indent="0">
-              <a:buNone/>
-              <a:defRPr sz="1200">
-                <a:solidFill>
-                  <a:schemeClr val="tx1">
-                    <a:tint val="75000"/>
-                  </a:schemeClr>
-                </a:solidFill>
-              </a:defRPr>
-            </a:lvl5pPr>
-            <a:lvl6pPr marL="1714500" indent="0">
-              <a:buNone/>
-              <a:defRPr sz="1200">
-                <a:solidFill>
-                  <a:schemeClr val="tx1">
-                    <a:tint val="75000"/>
-                  </a:schemeClr>
-                </a:solidFill>
-              </a:defRPr>
-            </a:lvl6pPr>
-            <a:lvl7pPr marL="2057400" indent="0">
-              <a:buNone/>
-              <a:defRPr sz="1200">
-                <a:solidFill>
-                  <a:schemeClr val="tx1">
-                    <a:tint val="75000"/>
-                  </a:schemeClr>
-                </a:solidFill>
-              </a:defRPr>
-            </a:lvl7pPr>
-            <a:lvl8pPr marL="2400300" indent="0">
-              <a:buNone/>
-              <a:defRPr sz="1200">
-                <a:solidFill>
-                  <a:schemeClr val="tx1">
-                    <a:tint val="75000"/>
-                  </a:schemeClr>
-                </a:solidFill>
-              </a:defRPr>
-            </a:lvl8pPr>
-            <a:lvl9pPr marL="2743200" indent="0">
-              <a:buNone/>
-              <a:defRPr sz="1200">
-                <a:solidFill>
-                  <a:schemeClr val="tx1">
-                    <a:tint val="75000"/>
-                  </a:schemeClr>
-                </a:solidFill>
-              </a:defRPr>
-            </a:lvl9pPr>
-          </a:lstStyle>
-          <a:p>
-            <a:r>
-              <a:rPr lang="en-GB" dirty="0" err="1"/>
-              <a:t>Klikk</a:t>
-            </a:r>
-            <a:r>
-              <a:rPr lang="en-GB" dirty="0"/>
-              <a:t> for å </a:t>
-            </a:r>
-            <a:r>
-              <a:rPr lang="en-GB" dirty="0" err="1"/>
-              <a:t>legge</a:t>
-            </a:r>
-            <a:r>
-              <a:rPr lang="en-GB" dirty="0"/>
-              <a:t> </a:t>
-            </a:r>
-            <a:r>
-              <a:rPr lang="en-GB" dirty="0" err="1"/>
-              <a:t>til</a:t>
-            </a:r>
-            <a:r>
-              <a:rPr lang="en-GB" dirty="0"/>
-              <a:t> </a:t>
-            </a:r>
-            <a:r>
-              <a:rPr lang="en-GB" dirty="0" err="1"/>
-              <a:t>undertittel</a:t>
-            </a:r>
-            <a:endParaRPr lang="en-GB" dirty="0"/>
-          </a:p>
-        </p:txBody>
-      </p:sp>
-      <p:sp>
-        <p:nvSpPr>
-          <p:cNvPr id="5" name="Plassholder for bunntekst 4"/>
-          <p:cNvSpPr>
-            <a:spLocks noGrp="1"/>
-          </p:cNvSpPr>
-          <p:nvPr>
-            <p:ph type="ftr" sz="quarter" idx="11"/>
-          </p:nvPr>
-        </p:nvSpPr>
-        <p:spPr>
-          <a:xfrm>
-            <a:off x="1223963" y="4764987"/>
-            <a:ext cx="4891087" cy="138542"/>
-          </a:xfrm>
-          <a:prstGeom prst="rect">
-            <a:avLst/>
-          </a:prstGeom>
-        </p:spPr>
-        <p:txBody>
-          <a:bodyPr/>
-          <a:lstStyle/>
-          <a:p>
-            <a:endParaRPr lang="en-GB" dirty="0"/>
-          </a:p>
-        </p:txBody>
-      </p:sp>
-      <p:sp>
-        <p:nvSpPr>
-          <p:cNvPr id="6" name="Plassholder for lysbildenummer 5"/>
-          <p:cNvSpPr>
-            <a:spLocks noGrp="1"/>
-          </p:cNvSpPr>
-          <p:nvPr>
-            <p:ph type="sldNum" sz="quarter" idx="12"/>
-          </p:nvPr>
-        </p:nvSpPr>
-        <p:spPr>
-          <a:xfrm>
-            <a:off x="6457950" y="4764987"/>
-            <a:ext cx="2057400" cy="138542"/>
-          </a:xfrm>
-          <a:prstGeom prst="rect">
-            <a:avLst/>
-          </a:prstGeom>
-        </p:spPr>
-        <p:txBody>
-          <a:bodyPr/>
-          <a:lstStyle/>
-          <a:p>
-            <a:fld id="{35E025E5-F4E9-4572-B8CF-5901727261FC}" type="slidenum">
-              <a:rPr lang="en-GB" smtClean="0"/>
-              <a:t>‹#›</a:t>
-            </a:fld>
-            <a:endParaRPr lang="en-GB" dirty="0"/>
-          </a:p>
-        </p:txBody>
-      </p:sp>
-    </p:spTree>
-    <p:extLst>
-      <p:ext uri="{BB962C8B-B14F-4D97-AF65-F5344CB8AC3E}">
-        <p14:creationId xmlns:p14="http://schemas.microsoft.com/office/powerpoint/2010/main" val="703990773"/>
       </p:ext>
     </p:extLst>
   </p:cSld>
@@ -3593,6 +3412,269 @@
 </file>
 
 <file path=ppt/slideLayouts/slideLayout20.xml><?xml version="1.0" encoding="utf-8"?>
+<p:sldLayout xmlns:a="http://schemas.openxmlformats.org/drawingml/2006/main" xmlns:r="http://schemas.openxmlformats.org/officeDocument/2006/relationships" xmlns:p="http://schemas.openxmlformats.org/presentationml/2006/main" type="secHead" preserve="1">
+  <p:cSld name="Deloverskrift">
+    <p:spTree>
+      <p:nvGrpSpPr>
+        <p:cNvPr id="1" name=""/>
+        <p:cNvGrpSpPr/>
+        <p:nvPr/>
+      </p:nvGrpSpPr>
+      <p:grpSpPr>
+        <a:xfrm>
+          <a:off x="0" y="0"/>
+          <a:ext cx="0" cy="0"/>
+          <a:chOff x="0" y="0"/>
+          <a:chExt cx="0" cy="0"/>
+        </a:xfrm>
+      </p:grpSpPr>
+      <p:sp>
+        <p:nvSpPr>
+          <p:cNvPr id="2" name="Tittel 1"/>
+          <p:cNvSpPr>
+            <a:spLocks noGrp="1"/>
+          </p:cNvSpPr>
+          <p:nvPr>
+            <p:ph type="title" hasCustomPrompt="1"/>
+          </p:nvPr>
+        </p:nvSpPr>
+        <p:spPr>
+          <a:xfrm>
+            <a:off x="623888" y="1282700"/>
+            <a:ext cx="7886700" cy="2140213"/>
+          </a:xfrm>
+        </p:spPr>
+        <p:txBody>
+          <a:bodyPr anchor="b"/>
+          <a:lstStyle>
+            <a:lvl1pPr>
+              <a:defRPr sz="4500"/>
+            </a:lvl1pPr>
+          </a:lstStyle>
+          <a:p>
+            <a:r>
+              <a:rPr lang="nb-NO" dirty="0"/>
+              <a:t>Klikk for å legge til tittel</a:t>
+            </a:r>
+            <a:endParaRPr lang="en-GB" dirty="0"/>
+          </a:p>
+        </p:txBody>
+      </p:sp>
+      <p:sp>
+        <p:nvSpPr>
+          <p:cNvPr id="3" name="Plassholder for tekst 2"/>
+          <p:cNvSpPr>
+            <a:spLocks noGrp="1"/>
+          </p:cNvSpPr>
+          <p:nvPr>
+            <p:ph type="body" idx="1" hasCustomPrompt="1"/>
+          </p:nvPr>
+        </p:nvSpPr>
+        <p:spPr>
+          <a:xfrm>
+            <a:off x="623888" y="3443160"/>
+            <a:ext cx="7886700" cy="1125488"/>
+          </a:xfrm>
+        </p:spPr>
+        <p:txBody>
+          <a:bodyPr/>
+          <a:lstStyle>
+            <a:lvl1pPr marL="0" indent="0">
+              <a:buNone/>
+              <a:defRPr sz="1800">
+                <a:solidFill>
+                  <a:schemeClr val="tx1">
+                    <a:tint val="75000"/>
+                  </a:schemeClr>
+                </a:solidFill>
+              </a:defRPr>
+            </a:lvl1pPr>
+            <a:lvl2pPr marL="342900" indent="0">
+              <a:buNone/>
+              <a:defRPr sz="1500">
+                <a:solidFill>
+                  <a:schemeClr val="tx1">
+                    <a:tint val="75000"/>
+                  </a:schemeClr>
+                </a:solidFill>
+              </a:defRPr>
+            </a:lvl2pPr>
+            <a:lvl3pPr marL="685800" indent="0">
+              <a:buNone/>
+              <a:defRPr sz="1350">
+                <a:solidFill>
+                  <a:schemeClr val="tx1">
+                    <a:tint val="75000"/>
+                  </a:schemeClr>
+                </a:solidFill>
+              </a:defRPr>
+            </a:lvl3pPr>
+            <a:lvl4pPr marL="1028700" indent="0">
+              <a:buNone/>
+              <a:defRPr sz="1200">
+                <a:solidFill>
+                  <a:schemeClr val="tx1">
+                    <a:tint val="75000"/>
+                  </a:schemeClr>
+                </a:solidFill>
+              </a:defRPr>
+            </a:lvl4pPr>
+            <a:lvl5pPr marL="1371600" indent="0">
+              <a:buNone/>
+              <a:defRPr sz="1200">
+                <a:solidFill>
+                  <a:schemeClr val="tx1">
+                    <a:tint val="75000"/>
+                  </a:schemeClr>
+                </a:solidFill>
+              </a:defRPr>
+            </a:lvl5pPr>
+            <a:lvl6pPr marL="1714500" indent="0">
+              <a:buNone/>
+              <a:defRPr sz="1200">
+                <a:solidFill>
+                  <a:schemeClr val="tx1">
+                    <a:tint val="75000"/>
+                  </a:schemeClr>
+                </a:solidFill>
+              </a:defRPr>
+            </a:lvl6pPr>
+            <a:lvl7pPr marL="2057400" indent="0">
+              <a:buNone/>
+              <a:defRPr sz="1200">
+                <a:solidFill>
+                  <a:schemeClr val="tx1">
+                    <a:tint val="75000"/>
+                  </a:schemeClr>
+                </a:solidFill>
+              </a:defRPr>
+            </a:lvl7pPr>
+            <a:lvl8pPr marL="2400300" indent="0">
+              <a:buNone/>
+              <a:defRPr sz="1200">
+                <a:solidFill>
+                  <a:schemeClr val="tx1">
+                    <a:tint val="75000"/>
+                  </a:schemeClr>
+                </a:solidFill>
+              </a:defRPr>
+            </a:lvl8pPr>
+            <a:lvl9pPr marL="2743200" indent="0">
+              <a:buNone/>
+              <a:defRPr sz="1200">
+                <a:solidFill>
+                  <a:schemeClr val="tx1">
+                    <a:tint val="75000"/>
+                  </a:schemeClr>
+                </a:solidFill>
+              </a:defRPr>
+            </a:lvl9pPr>
+          </a:lstStyle>
+          <a:p>
+            <a:r>
+              <a:rPr lang="en-GB" dirty="0" err="1"/>
+              <a:t>Klikk</a:t>
+            </a:r>
+            <a:r>
+              <a:rPr lang="en-GB" dirty="0"/>
+              <a:t> for å </a:t>
+            </a:r>
+            <a:r>
+              <a:rPr lang="en-GB" dirty="0" err="1"/>
+              <a:t>legge</a:t>
+            </a:r>
+            <a:r>
+              <a:rPr lang="en-GB" dirty="0"/>
+              <a:t> </a:t>
+            </a:r>
+            <a:r>
+              <a:rPr lang="en-GB" dirty="0" err="1"/>
+              <a:t>til</a:t>
+            </a:r>
+            <a:r>
+              <a:rPr lang="en-GB" dirty="0"/>
+              <a:t> </a:t>
+            </a:r>
+            <a:r>
+              <a:rPr lang="en-GB" dirty="0" err="1"/>
+              <a:t>undertittel</a:t>
+            </a:r>
+            <a:endParaRPr lang="en-GB" dirty="0"/>
+          </a:p>
+        </p:txBody>
+      </p:sp>
+      <p:sp>
+        <p:nvSpPr>
+          <p:cNvPr id="5" name="Plassholder for bunntekst 4"/>
+          <p:cNvSpPr>
+            <a:spLocks noGrp="1"/>
+          </p:cNvSpPr>
+          <p:nvPr>
+            <p:ph type="ftr" sz="quarter" idx="11"/>
+          </p:nvPr>
+        </p:nvSpPr>
+        <p:spPr>
+          <a:xfrm>
+            <a:off x="1223963" y="4764987"/>
+            <a:ext cx="4891087" cy="138542"/>
+          </a:xfrm>
+          <a:prstGeom prst="rect">
+            <a:avLst/>
+          </a:prstGeom>
+        </p:spPr>
+        <p:txBody>
+          <a:bodyPr/>
+          <a:lstStyle/>
+          <a:p>
+            <a:endParaRPr lang="en-GB" dirty="0"/>
+          </a:p>
+        </p:txBody>
+      </p:sp>
+      <p:sp>
+        <p:nvSpPr>
+          <p:cNvPr id="6" name="Plassholder for lysbildenummer 5"/>
+          <p:cNvSpPr>
+            <a:spLocks noGrp="1"/>
+          </p:cNvSpPr>
+          <p:nvPr>
+            <p:ph type="sldNum" sz="quarter" idx="12"/>
+          </p:nvPr>
+        </p:nvSpPr>
+        <p:spPr>
+          <a:xfrm>
+            <a:off x="6457950" y="4764987"/>
+            <a:ext cx="2057400" cy="138542"/>
+          </a:xfrm>
+          <a:prstGeom prst="rect">
+            <a:avLst/>
+          </a:prstGeom>
+        </p:spPr>
+        <p:txBody>
+          <a:bodyPr/>
+          <a:lstStyle/>
+          <a:p>
+            <a:fld id="{35E025E5-F4E9-4572-B8CF-5901727261FC}" type="slidenum">
+              <a:rPr lang="en-GB" smtClean="0"/>
+              <a:t>‹#›</a:t>
+            </a:fld>
+            <a:endParaRPr lang="en-GB" dirty="0"/>
+          </a:p>
+        </p:txBody>
+      </p:sp>
+    </p:spTree>
+    <p:extLst>
+      <p:ext uri="{BB962C8B-B14F-4D97-AF65-F5344CB8AC3E}">
+        <p14:creationId xmlns:p14="http://schemas.microsoft.com/office/powerpoint/2010/main" val="703990773"/>
+      </p:ext>
+    </p:extLst>
+  </p:cSld>
+  <p:clrMapOvr>
+    <a:masterClrMapping/>
+  </p:clrMapOvr>
+</p:sldLayout>
+</file>
+
+<file path=ppt/slideLayouts/slideLayout21.xml><?xml version="1.0" encoding="utf-8"?>
 <p:sldLayout xmlns:a="http://schemas.openxmlformats.org/drawingml/2006/main" xmlns:r="http://schemas.openxmlformats.org/officeDocument/2006/relationships" xmlns:p="http://schemas.openxmlformats.org/presentationml/2006/main" type="twoObj" preserve="1">
   <p:cSld name="To innholdsdeler">
     <p:spTree>
@@ -3879,7 +3961,7 @@
 </p:sldLayout>
 </file>
 
-<file path=ppt/slideLayouts/slideLayout21.xml><?xml version="1.0" encoding="utf-8"?>
+<file path=ppt/slideLayouts/slideLayout22.xml><?xml version="1.0" encoding="utf-8"?>
 <p:sldLayout xmlns:a="http://schemas.openxmlformats.org/drawingml/2006/main" xmlns:r="http://schemas.openxmlformats.org/officeDocument/2006/relationships" xmlns:p="http://schemas.openxmlformats.org/presentationml/2006/main" preserve="1" userDrawn="1">
   <p:cSld name="Sammenligning">
     <p:spTree>
@@ -4310,7 +4392,7 @@
 </p:sldLayout>
 </file>
 
-<file path=ppt/slideLayouts/slideLayout22.xml><?xml version="1.0" encoding="utf-8"?>
+<file path=ppt/slideLayouts/slideLayout23.xml><?xml version="1.0" encoding="utf-8"?>
 <p:sldLayout xmlns:a="http://schemas.openxmlformats.org/drawingml/2006/main" xmlns:r="http://schemas.openxmlformats.org/officeDocument/2006/relationships" xmlns:p="http://schemas.openxmlformats.org/presentationml/2006/main" type="titleOnly" preserve="1">
   <p:cSld name="Bare tittel">
     <p:spTree>
@@ -4421,7 +4503,7 @@
 </p:sldLayout>
 </file>
 
-<file path=ppt/slideLayouts/slideLayout23.xml><?xml version="1.0" encoding="utf-8"?>
+<file path=ppt/slideLayouts/slideLayout24.xml><?xml version="1.0" encoding="utf-8"?>
 <p:sldLayout xmlns:a="http://schemas.openxmlformats.org/drawingml/2006/main" xmlns:r="http://schemas.openxmlformats.org/officeDocument/2006/relationships" xmlns:p="http://schemas.openxmlformats.org/presentationml/2006/main" type="blank" preserve="1">
   <p:cSld name="Tomt">
     <p:spTree>
@@ -4509,7 +4591,7 @@
 </p:sldLayout>
 </file>
 
-<file path=ppt/slideLayouts/slideLayout24.xml><?xml version="1.0" encoding="utf-8"?>
+<file path=ppt/slideLayouts/slideLayout25.xml><?xml version="1.0" encoding="utf-8"?>
 <p:sldLayout xmlns:a="http://schemas.openxmlformats.org/drawingml/2006/main" xmlns:r="http://schemas.openxmlformats.org/officeDocument/2006/relationships" xmlns:p="http://schemas.openxmlformats.org/presentationml/2006/main" type="objTx" preserve="1">
   <p:cSld name="Innhold med tekst">
     <p:spTree>
@@ -4810,7 +4892,7 @@
 </p:sldLayout>
 </file>
 
-<file path=ppt/slideLayouts/slideLayout25.xml><?xml version="1.0" encoding="utf-8"?>
+<file path=ppt/slideLayouts/slideLayout26.xml><?xml version="1.0" encoding="utf-8"?>
 <p:sldLayout xmlns:a="http://schemas.openxmlformats.org/drawingml/2006/main" xmlns:r="http://schemas.openxmlformats.org/officeDocument/2006/relationships" xmlns:p="http://schemas.openxmlformats.org/presentationml/2006/main" type="picTx" preserve="1">
   <p:cSld name="Bilde med tekst">
     <p:spTree>
@@ -5060,7 +5142,7 @@
 </p:sldLayout>
 </file>
 
-<file path=ppt/slideLayouts/slideLayout26.xml><?xml version="1.0" encoding="utf-8"?>
+<file path=ppt/slideLayouts/slideLayout27.xml><?xml version="1.0" encoding="utf-8"?>
 <p:sldLayout xmlns:a="http://schemas.openxmlformats.org/drawingml/2006/main" xmlns:r="http://schemas.openxmlformats.org/officeDocument/2006/relationships" xmlns:p="http://schemas.openxmlformats.org/presentationml/2006/main" type="title" preserve="1">
   <p:cSld name="Tittellysbilde">
     <p:spTree>
@@ -5225,7 +5307,7 @@
 </p:sldLayout>
 </file>
 
-<file path=ppt/slideLayouts/slideLayout27.xml><?xml version="1.0" encoding="utf-8"?>
+<file path=ppt/slideLayouts/slideLayout28.xml><?xml version="1.0" encoding="utf-8"?>
 <p:sldLayout xmlns:a="http://schemas.openxmlformats.org/drawingml/2006/main" xmlns:r="http://schemas.openxmlformats.org/officeDocument/2006/relationships" xmlns:p="http://schemas.openxmlformats.org/presentationml/2006/main" type="obj" preserve="1">
   <p:cSld name="Tittel og innhold">
     <p:spTree>
@@ -5373,7 +5455,7 @@
 </p:sldLayout>
 </file>
 
-<file path=ppt/slideLayouts/slideLayout28.xml><?xml version="1.0" encoding="utf-8"?>
+<file path=ppt/slideLayouts/slideLayout29.xml><?xml version="1.0" encoding="utf-8"?>
 <p:sldLayout xmlns:a="http://schemas.openxmlformats.org/drawingml/2006/main" xmlns:r="http://schemas.openxmlformats.org/officeDocument/2006/relationships" xmlns:p="http://schemas.openxmlformats.org/presentationml/2006/main" type="titleOnly" preserve="1">
   <p:cSld name="Bare tittel">
     <p:spTree>
@@ -5441,7 +5523,151 @@
 </p:sldLayout>
 </file>
 
-<file path=ppt/slideLayouts/slideLayout29.xml><?xml version="1.0" encoding="utf-8"?>
+<file path=ppt/slideLayouts/slideLayout3.xml><?xml version="1.0" encoding="utf-8"?>
+<p:sldLayout xmlns:a="http://schemas.openxmlformats.org/drawingml/2006/main" xmlns:r="http://schemas.openxmlformats.org/officeDocument/2006/relationships" xmlns:p="http://schemas.openxmlformats.org/presentationml/2006/main" preserve="1" userDrawn="1">
+  <p:cSld name="Bilde og tekst">
+    <p:spTree>
+      <p:nvGrpSpPr>
+        <p:cNvPr id="1" name=""/>
+        <p:cNvGrpSpPr/>
+        <p:nvPr/>
+      </p:nvGrpSpPr>
+      <p:grpSpPr>
+        <a:xfrm>
+          <a:off x="0" y="0"/>
+          <a:ext cx="0" cy="0"/>
+          <a:chOff x="0" y="0"/>
+          <a:chExt cx="0" cy="0"/>
+        </a:xfrm>
+      </p:grpSpPr>
+      <p:sp>
+        <p:nvSpPr>
+          <p:cNvPr id="8" name="Picture Placeholder 9">
+            <a:extLst>
+              <a:ext uri="{FF2B5EF4-FFF2-40B4-BE49-F238E27FC236}">
+                <a16:creationId xmlns:a16="http://schemas.microsoft.com/office/drawing/2014/main" id="{CBBDFCF7-F532-477F-8A1A-E900E1DC9286}"/>
+              </a:ext>
+            </a:extLst>
+          </p:cNvPr>
+          <p:cNvSpPr>
+            <a:spLocks noGrp="1"/>
+          </p:cNvSpPr>
+          <p:nvPr>
+            <p:ph type="pic" sz="quarter" idx="10"/>
+          </p:nvPr>
+        </p:nvSpPr>
+        <p:spPr>
+          <a:xfrm>
+            <a:off x="0" y="0"/>
+            <a:ext cx="9144000" cy="5145088"/>
+          </a:xfrm>
+          <a:solidFill>
+            <a:srgbClr val="F6F6F6"/>
+          </a:solidFill>
+        </p:spPr>
+        <p:txBody>
+          <a:bodyPr anchor="t">
+            <a:normAutofit/>
+          </a:bodyPr>
+          <a:lstStyle>
+            <a:lvl1pPr marL="0" indent="0" algn="ctr">
+              <a:buNone/>
+              <a:defRPr sz="1200"/>
+            </a:lvl1pPr>
+          </a:lstStyle>
+          <a:p>
+            <a:r>
+              <a:rPr lang="nb-NO"/>
+              <a:t>Klikk på ikonet for å legge til et bilde</a:t>
+            </a:r>
+            <a:endParaRPr lang="en-GB" dirty="0"/>
+          </a:p>
+        </p:txBody>
+      </p:sp>
+      <p:sp>
+        <p:nvSpPr>
+          <p:cNvPr id="12" name="Text Placeholder 11">
+            <a:extLst>
+              <a:ext uri="{FF2B5EF4-FFF2-40B4-BE49-F238E27FC236}">
+                <a16:creationId xmlns:a16="http://schemas.microsoft.com/office/drawing/2014/main" id="{2FA06A6E-EF01-4423-B229-C83BB34ADB95}"/>
+              </a:ext>
+            </a:extLst>
+          </p:cNvPr>
+          <p:cNvSpPr>
+            <a:spLocks noGrp="1"/>
+          </p:cNvSpPr>
+          <p:nvPr>
+            <p:ph type="body" sz="quarter" idx="11" hasCustomPrompt="1"/>
+          </p:nvPr>
+        </p:nvSpPr>
+        <p:spPr>
+          <a:xfrm>
+            <a:off x="-1" y="4412342"/>
+            <a:ext cx="9144001" cy="732746"/>
+          </a:xfrm>
+          <a:blipFill>
+            <a:blip r:embed="rId2">
+              <a:extLst>
+                <a:ext uri="{96DAC541-7B7A-43D3-8B79-37D633B846F1}">
+                  <asvg:svgBlip xmlns:asvg="http://schemas.microsoft.com/office/drawing/2016/SVG/main" r:embed="rId3"/>
+                </a:ext>
+              </a:extLst>
+            </a:blip>
+            <a:stretch>
+              <a:fillRect/>
+            </a:stretch>
+          </a:blipFill>
+        </p:spPr>
+        <p:txBody>
+          <a:bodyPr lIns="612000" rIns="468000" anchor="ctr">
+            <a:normAutofit/>
+          </a:bodyPr>
+          <a:lstStyle>
+            <a:lvl1pPr marL="0" indent="0" algn="l">
+              <a:buNone/>
+              <a:defRPr sz="2000" b="1"/>
+            </a:lvl1pPr>
+          </a:lstStyle>
+          <a:p>
+            <a:pPr marL="0" marR="0" lvl="0" indent="0" algn="l" defTabSz="685800" rtl="0" eaLnBrk="1" fontAlgn="auto" latinLnBrk="0" hangingPunct="1">
+              <a:lnSpc>
+                <a:spcPct val="90000"/>
+              </a:lnSpc>
+              <a:spcBef>
+                <a:spcPts val="750"/>
+              </a:spcBef>
+              <a:spcAft>
+                <a:spcPts val="0"/>
+              </a:spcAft>
+              <a:buClrTx/>
+              <a:buSzTx/>
+              <a:buFont typeface="Arial" panose="020B0604020202020204" pitchFamily="34" charset="0"/>
+              <a:buNone/>
+              <a:tabLst/>
+              <a:defRPr/>
+            </a:pPr>
+            <a:r>
+              <a:rPr lang="nb-NO" dirty="0"/>
+              <a:t>Klikk for å legge til tekst</a:t>
+            </a:r>
+            <a:endParaRPr lang="en-GB" dirty="0"/>
+          </a:p>
+        </p:txBody>
+      </p:sp>
+    </p:spTree>
+    <p:extLst>
+      <p:ext uri="{BB962C8B-B14F-4D97-AF65-F5344CB8AC3E}">
+        <p14:creationId xmlns:p14="http://schemas.microsoft.com/office/powerpoint/2010/main" val="3782862639"/>
+      </p:ext>
+    </p:extLst>
+  </p:cSld>
+  <p:clrMapOvr>
+    <a:masterClrMapping/>
+  </p:clrMapOvr>
+</p:sldLayout>
+</file>
+
+<file path=ppt/slideLayouts/slideLayout30.xml><?xml version="1.0" encoding="utf-8"?>
 <p:sldLayout xmlns:a="http://schemas.openxmlformats.org/drawingml/2006/main" xmlns:r="http://schemas.openxmlformats.org/officeDocument/2006/relationships" xmlns:p="http://schemas.openxmlformats.org/presentationml/2006/main" type="blank" preserve="1">
   <p:cSld name="Tomt">
     <p:spTree>
@@ -5471,151 +5697,7 @@
 </p:sldLayout>
 </file>
 
-<file path=ppt/slideLayouts/slideLayout3.xml><?xml version="1.0" encoding="utf-8"?>
-<p:sldLayout xmlns:a="http://schemas.openxmlformats.org/drawingml/2006/main" xmlns:r="http://schemas.openxmlformats.org/officeDocument/2006/relationships" xmlns:p="http://schemas.openxmlformats.org/presentationml/2006/main" preserve="1" userDrawn="1">
-  <p:cSld name="Bilde og tekst">
-    <p:spTree>
-      <p:nvGrpSpPr>
-        <p:cNvPr id="1" name=""/>
-        <p:cNvGrpSpPr/>
-        <p:nvPr/>
-      </p:nvGrpSpPr>
-      <p:grpSpPr>
-        <a:xfrm>
-          <a:off x="0" y="0"/>
-          <a:ext cx="0" cy="0"/>
-          <a:chOff x="0" y="0"/>
-          <a:chExt cx="0" cy="0"/>
-        </a:xfrm>
-      </p:grpSpPr>
-      <p:sp>
-        <p:nvSpPr>
-          <p:cNvPr id="8" name="Picture Placeholder 9">
-            <a:extLst>
-              <a:ext uri="{FF2B5EF4-FFF2-40B4-BE49-F238E27FC236}">
-                <a16:creationId xmlns:a16="http://schemas.microsoft.com/office/drawing/2014/main" id="{CBBDFCF7-F532-477F-8A1A-E900E1DC9286}"/>
-              </a:ext>
-            </a:extLst>
-          </p:cNvPr>
-          <p:cNvSpPr>
-            <a:spLocks noGrp="1"/>
-          </p:cNvSpPr>
-          <p:nvPr>
-            <p:ph type="pic" sz="quarter" idx="10"/>
-          </p:nvPr>
-        </p:nvSpPr>
-        <p:spPr>
-          <a:xfrm>
-            <a:off x="0" y="0"/>
-            <a:ext cx="9144000" cy="5145088"/>
-          </a:xfrm>
-          <a:solidFill>
-            <a:srgbClr val="F6F6F6"/>
-          </a:solidFill>
-        </p:spPr>
-        <p:txBody>
-          <a:bodyPr anchor="t">
-            <a:normAutofit/>
-          </a:bodyPr>
-          <a:lstStyle>
-            <a:lvl1pPr marL="0" indent="0" algn="ctr">
-              <a:buNone/>
-              <a:defRPr sz="1200"/>
-            </a:lvl1pPr>
-          </a:lstStyle>
-          <a:p>
-            <a:r>
-              <a:rPr lang="nb-NO"/>
-              <a:t>Klikk på ikonet for å legge til et bilde</a:t>
-            </a:r>
-            <a:endParaRPr lang="en-GB" dirty="0"/>
-          </a:p>
-        </p:txBody>
-      </p:sp>
-      <p:sp>
-        <p:nvSpPr>
-          <p:cNvPr id="12" name="Text Placeholder 11">
-            <a:extLst>
-              <a:ext uri="{FF2B5EF4-FFF2-40B4-BE49-F238E27FC236}">
-                <a16:creationId xmlns:a16="http://schemas.microsoft.com/office/drawing/2014/main" id="{2FA06A6E-EF01-4423-B229-C83BB34ADB95}"/>
-              </a:ext>
-            </a:extLst>
-          </p:cNvPr>
-          <p:cNvSpPr>
-            <a:spLocks noGrp="1"/>
-          </p:cNvSpPr>
-          <p:nvPr>
-            <p:ph type="body" sz="quarter" idx="11" hasCustomPrompt="1"/>
-          </p:nvPr>
-        </p:nvSpPr>
-        <p:spPr>
-          <a:xfrm>
-            <a:off x="-1" y="4412342"/>
-            <a:ext cx="9144001" cy="732746"/>
-          </a:xfrm>
-          <a:blipFill>
-            <a:blip r:embed="rId2">
-              <a:extLst>
-                <a:ext uri="{96DAC541-7B7A-43D3-8B79-37D633B846F1}">
-                  <asvg:svgBlip xmlns:asvg="http://schemas.microsoft.com/office/drawing/2016/SVG/main" r:embed="rId3"/>
-                </a:ext>
-              </a:extLst>
-            </a:blip>
-            <a:stretch>
-              <a:fillRect/>
-            </a:stretch>
-          </a:blipFill>
-        </p:spPr>
-        <p:txBody>
-          <a:bodyPr lIns="612000" rIns="468000" anchor="ctr">
-            <a:normAutofit/>
-          </a:bodyPr>
-          <a:lstStyle>
-            <a:lvl1pPr marL="0" indent="0" algn="l">
-              <a:buNone/>
-              <a:defRPr sz="2000" b="1"/>
-            </a:lvl1pPr>
-          </a:lstStyle>
-          <a:p>
-            <a:pPr marL="0" marR="0" lvl="0" indent="0" algn="l" defTabSz="685800" rtl="0" eaLnBrk="1" fontAlgn="auto" latinLnBrk="0" hangingPunct="1">
-              <a:lnSpc>
-                <a:spcPct val="90000"/>
-              </a:lnSpc>
-              <a:spcBef>
-                <a:spcPts val="750"/>
-              </a:spcBef>
-              <a:spcAft>
-                <a:spcPts val="0"/>
-              </a:spcAft>
-              <a:buClrTx/>
-              <a:buSzTx/>
-              <a:buFont typeface="Arial" panose="020B0604020202020204" pitchFamily="34" charset="0"/>
-              <a:buNone/>
-              <a:tabLst/>
-              <a:defRPr/>
-            </a:pPr>
-            <a:r>
-              <a:rPr lang="nb-NO" dirty="0"/>
-              <a:t>Klikk for å legge til tekst</a:t>
-            </a:r>
-            <a:endParaRPr lang="en-GB" dirty="0"/>
-          </a:p>
-        </p:txBody>
-      </p:sp>
-    </p:spTree>
-    <p:extLst>
-      <p:ext uri="{BB962C8B-B14F-4D97-AF65-F5344CB8AC3E}">
-        <p14:creationId xmlns:p14="http://schemas.microsoft.com/office/powerpoint/2010/main" val="3782862639"/>
-      </p:ext>
-    </p:extLst>
-  </p:cSld>
-  <p:clrMapOvr>
-    <a:masterClrMapping/>
-  </p:clrMapOvr>
-</p:sldLayout>
-</file>
-
-<file path=ppt/slideLayouts/slideLayout30.xml><?xml version="1.0" encoding="utf-8"?>
+<file path=ppt/slideLayouts/slideLayout31.xml><?xml version="1.0" encoding="utf-8"?>
 <p:sldLayout xmlns:a="http://schemas.openxmlformats.org/drawingml/2006/main" xmlns:r="http://schemas.openxmlformats.org/officeDocument/2006/relationships" xmlns:p="http://schemas.openxmlformats.org/presentationml/2006/main" preserve="1" userDrawn="1">
   <p:cSld name="Tittellysbilde">
     <p:spTree>
@@ -5780,7 +5862,7 @@
 </p:sldLayout>
 </file>
 
-<file path=ppt/slideLayouts/slideLayout31.xml><?xml version="1.0" encoding="utf-8"?>
+<file path=ppt/slideLayouts/slideLayout32.xml><?xml version="1.0" encoding="utf-8"?>
 <p:sldLayout xmlns:a="http://schemas.openxmlformats.org/drawingml/2006/main" xmlns:r="http://schemas.openxmlformats.org/officeDocument/2006/relationships" xmlns:p="http://schemas.openxmlformats.org/presentationml/2006/main" type="obj" preserve="1">
   <p:cSld name="Tittel og innhold">
     <p:spTree>
@@ -5928,7 +6010,7 @@
 </p:sldLayout>
 </file>
 
-<file path=ppt/slideLayouts/slideLayout32.xml><?xml version="1.0" encoding="utf-8"?>
+<file path=ppt/slideLayouts/slideLayout33.xml><?xml version="1.0" encoding="utf-8"?>
 <p:sldLayout xmlns:a="http://schemas.openxmlformats.org/drawingml/2006/main" xmlns:r="http://schemas.openxmlformats.org/officeDocument/2006/relationships" xmlns:p="http://schemas.openxmlformats.org/presentationml/2006/main" preserve="1" userDrawn="1">
   <p:cSld name="Bare tittel">
     <p:spTree>
@@ -5996,7 +6078,7 @@
 </p:sldLayout>
 </file>
 
-<file path=ppt/slideLayouts/slideLayout33.xml><?xml version="1.0" encoding="utf-8"?>
+<file path=ppt/slideLayouts/slideLayout34.xml><?xml version="1.0" encoding="utf-8"?>
 <p:sldLayout xmlns:a="http://schemas.openxmlformats.org/drawingml/2006/main" xmlns:r="http://schemas.openxmlformats.org/officeDocument/2006/relationships" xmlns:p="http://schemas.openxmlformats.org/presentationml/2006/main" type="blank" preserve="1">
   <p:cSld name="Tomt">
     <p:spTree>
@@ -6026,7 +6108,7 @@
 </p:sldLayout>
 </file>
 
-<file path=ppt/slideLayouts/slideLayout34.xml><?xml version="1.0" encoding="utf-8"?>
+<file path=ppt/slideLayouts/slideLayout35.xml><?xml version="1.0" encoding="utf-8"?>
 <p:sldLayout xmlns:a="http://schemas.openxmlformats.org/drawingml/2006/main" xmlns:r="http://schemas.openxmlformats.org/officeDocument/2006/relationships" xmlns:p="http://schemas.openxmlformats.org/presentationml/2006/main" preserve="1" userDrawn="1">
   <p:cSld name="Tittellysbilde">
     <p:spTree>
@@ -6191,7 +6273,7 @@
 </p:sldLayout>
 </file>
 
-<file path=ppt/slideLayouts/slideLayout35.xml><?xml version="1.0" encoding="utf-8"?>
+<file path=ppt/slideLayouts/slideLayout36.xml><?xml version="1.0" encoding="utf-8"?>
 <p:sldLayout xmlns:a="http://schemas.openxmlformats.org/drawingml/2006/main" xmlns:r="http://schemas.openxmlformats.org/officeDocument/2006/relationships" xmlns:p="http://schemas.openxmlformats.org/presentationml/2006/main" type="obj" preserve="1">
   <p:cSld name="Tittel og innhold">
     <p:spTree>
@@ -6339,7 +6421,7 @@
 </p:sldLayout>
 </file>
 
-<file path=ppt/slideLayouts/slideLayout36.xml><?xml version="1.0" encoding="utf-8"?>
+<file path=ppt/slideLayouts/slideLayout37.xml><?xml version="1.0" encoding="utf-8"?>
 <p:sldLayout xmlns:a="http://schemas.openxmlformats.org/drawingml/2006/main" xmlns:r="http://schemas.openxmlformats.org/officeDocument/2006/relationships" xmlns:p="http://schemas.openxmlformats.org/presentationml/2006/main" preserve="1" userDrawn="1">
   <p:cSld name="Bare tittel">
     <p:spTree>
@@ -6407,7 +6489,7 @@
 </p:sldLayout>
 </file>
 
-<file path=ppt/slideLayouts/slideLayout37.xml><?xml version="1.0" encoding="utf-8"?>
+<file path=ppt/slideLayouts/slideLayout38.xml><?xml version="1.0" encoding="utf-8"?>
 <p:sldLayout xmlns:a="http://schemas.openxmlformats.org/drawingml/2006/main" xmlns:r="http://schemas.openxmlformats.org/officeDocument/2006/relationships" xmlns:p="http://schemas.openxmlformats.org/presentationml/2006/main" type="blank" preserve="1">
   <p:cSld name="Tomt">
     <p:spTree>
@@ -6437,7 +6519,7 @@
 </p:sldLayout>
 </file>
 
-<file path=ppt/slideLayouts/slideLayout38.xml><?xml version="1.0" encoding="utf-8"?>
+<file path=ppt/slideLayouts/slideLayout39.xml><?xml version="1.0" encoding="utf-8"?>
 <p:sldLayout xmlns:a="http://schemas.openxmlformats.org/drawingml/2006/main" xmlns:r="http://schemas.openxmlformats.org/officeDocument/2006/relationships" xmlns:p="http://schemas.openxmlformats.org/presentationml/2006/main" preserve="1" userDrawn="1">
   <p:cSld name="Tittellysbilde">
     <p:spTree>
@@ -6593,154 +6675,6 @@
     <p:extLst>
       <p:ext uri="{BB962C8B-B14F-4D97-AF65-F5344CB8AC3E}">
         <p14:creationId xmlns:p14="http://schemas.microsoft.com/office/powerpoint/2010/main" val="1952750465"/>
-      </p:ext>
-    </p:extLst>
-  </p:cSld>
-  <p:clrMapOvr>
-    <a:masterClrMapping/>
-  </p:clrMapOvr>
-</p:sldLayout>
-</file>
-
-<file path=ppt/slideLayouts/slideLayout39.xml><?xml version="1.0" encoding="utf-8"?>
-<p:sldLayout xmlns:a="http://schemas.openxmlformats.org/drawingml/2006/main" xmlns:r="http://schemas.openxmlformats.org/officeDocument/2006/relationships" xmlns:p="http://schemas.openxmlformats.org/presentationml/2006/main" type="obj" preserve="1">
-  <p:cSld name="Tittel og innhold">
-    <p:spTree>
-      <p:nvGrpSpPr>
-        <p:cNvPr id="1" name=""/>
-        <p:cNvGrpSpPr/>
-        <p:nvPr/>
-      </p:nvGrpSpPr>
-      <p:grpSpPr>
-        <a:xfrm>
-          <a:off x="0" y="0"/>
-          <a:ext cx="0" cy="0"/>
-          <a:chOff x="0" y="0"/>
-          <a:chExt cx="0" cy="0"/>
-        </a:xfrm>
-      </p:grpSpPr>
-      <p:sp>
-        <p:nvSpPr>
-          <p:cNvPr id="2" name="Tittel 1">
-            <a:extLst>
-              <a:ext uri="{FF2B5EF4-FFF2-40B4-BE49-F238E27FC236}">
-                <a16:creationId xmlns:a16="http://schemas.microsoft.com/office/drawing/2014/main" id="{78C3F14A-9F57-4BAA-91BD-ED3585A5C46D}"/>
-              </a:ext>
-            </a:extLst>
-          </p:cNvPr>
-          <p:cNvSpPr>
-            <a:spLocks noGrp="1"/>
-          </p:cNvSpPr>
-          <p:nvPr>
-            <p:ph type="title" hasCustomPrompt="1"/>
-          </p:nvPr>
-        </p:nvSpPr>
-        <p:spPr/>
-        <p:txBody>
-          <a:bodyPr/>
-          <a:lstStyle/>
-          <a:p>
-            <a:r>
-              <a:rPr lang="nb-NO" dirty="0"/>
-              <a:t>Klikk for å legge til tittel</a:t>
-            </a:r>
-            <a:endParaRPr lang="en-GB" dirty="0"/>
-          </a:p>
-        </p:txBody>
-      </p:sp>
-      <p:sp>
-        <p:nvSpPr>
-          <p:cNvPr id="3" name="Plassholder for innhold 2">
-            <a:extLst>
-              <a:ext uri="{FF2B5EF4-FFF2-40B4-BE49-F238E27FC236}">
-                <a16:creationId xmlns:a16="http://schemas.microsoft.com/office/drawing/2014/main" id="{BE40007A-FB80-4EC6-9C91-EF337C6867B0}"/>
-              </a:ext>
-            </a:extLst>
-          </p:cNvPr>
-          <p:cNvSpPr>
-            <a:spLocks noGrp="1"/>
-          </p:cNvSpPr>
-          <p:nvPr>
-            <p:ph idx="1" hasCustomPrompt="1"/>
-          </p:nvPr>
-        </p:nvSpPr>
-        <p:spPr/>
-        <p:txBody>
-          <a:bodyPr/>
-          <a:lstStyle/>
-          <a:p>
-            <a:pPr lvl="0"/>
-            <a:r>
-              <a:rPr lang="nb-NO" dirty="0"/>
-              <a:t>Klikk for å legge til tekst </a:t>
-            </a:r>
-          </a:p>
-          <a:p>
-            <a:pPr lvl="1"/>
-            <a:r>
-              <a:rPr lang="en-GB" dirty="0"/>
-              <a:t>Andre </a:t>
-            </a:r>
-            <a:r>
-              <a:rPr lang="en-GB" dirty="0" err="1"/>
-              <a:t>nivå</a:t>
-            </a:r>
-            <a:endParaRPr lang="en-GB" dirty="0"/>
-          </a:p>
-          <a:p>
-            <a:pPr lvl="2"/>
-            <a:r>
-              <a:rPr lang="en-GB" dirty="0" err="1"/>
-              <a:t>Tredje</a:t>
-            </a:r>
-            <a:r>
-              <a:rPr lang="en-GB" dirty="0"/>
-              <a:t> </a:t>
-            </a:r>
-            <a:r>
-              <a:rPr lang="en-GB" dirty="0" err="1"/>
-              <a:t>nivå</a:t>
-            </a:r>
-            <a:endParaRPr lang="en-GB" dirty="0"/>
-          </a:p>
-          <a:p>
-            <a:pPr lvl="3"/>
-            <a:r>
-              <a:rPr lang="en-GB" dirty="0" err="1"/>
-              <a:t>Fjerde</a:t>
-            </a:r>
-            <a:r>
-              <a:rPr lang="en-GB" dirty="0"/>
-              <a:t> </a:t>
-            </a:r>
-            <a:r>
-              <a:rPr lang="en-GB" dirty="0" err="1"/>
-              <a:t>nivå</a:t>
-            </a:r>
-            <a:endParaRPr lang="en-GB" dirty="0"/>
-          </a:p>
-          <a:p>
-            <a:pPr lvl="4"/>
-            <a:r>
-              <a:rPr lang="en-GB" dirty="0" err="1"/>
-              <a:t>Femte</a:t>
-            </a:r>
-            <a:r>
-              <a:rPr lang="en-GB" dirty="0"/>
-              <a:t> </a:t>
-            </a:r>
-            <a:r>
-              <a:rPr lang="en-GB" dirty="0" err="1"/>
-              <a:t>nivå</a:t>
-            </a:r>
-            <a:endParaRPr lang="en-GB" dirty="0"/>
-          </a:p>
-        </p:txBody>
-      </p:sp>
-    </p:spTree>
-    <p:extLst>
-      <p:ext uri="{BB962C8B-B14F-4D97-AF65-F5344CB8AC3E}">
-        <p14:creationId xmlns:p14="http://schemas.microsoft.com/office/powerpoint/2010/main" val="4010123451"/>
       </p:ext>
     </p:extLst>
   </p:cSld>
@@ -6830,7 +6764,7 @@
         <p:spPr>
           <a:xfrm>
             <a:off x="1447201" y="0"/>
-            <a:ext cx="3193200" cy="5145088"/>
+            <a:ext cx="3013430" cy="5145088"/>
           </a:xfrm>
           <a:blipFill>
             <a:blip r:embed="rId2">
@@ -6895,6 +6829,154 @@
 </file>
 
 <file path=ppt/slideLayouts/slideLayout40.xml><?xml version="1.0" encoding="utf-8"?>
+<p:sldLayout xmlns:a="http://schemas.openxmlformats.org/drawingml/2006/main" xmlns:r="http://schemas.openxmlformats.org/officeDocument/2006/relationships" xmlns:p="http://schemas.openxmlformats.org/presentationml/2006/main" type="obj" preserve="1">
+  <p:cSld name="Tittel og innhold">
+    <p:spTree>
+      <p:nvGrpSpPr>
+        <p:cNvPr id="1" name=""/>
+        <p:cNvGrpSpPr/>
+        <p:nvPr/>
+      </p:nvGrpSpPr>
+      <p:grpSpPr>
+        <a:xfrm>
+          <a:off x="0" y="0"/>
+          <a:ext cx="0" cy="0"/>
+          <a:chOff x="0" y="0"/>
+          <a:chExt cx="0" cy="0"/>
+        </a:xfrm>
+      </p:grpSpPr>
+      <p:sp>
+        <p:nvSpPr>
+          <p:cNvPr id="2" name="Tittel 1">
+            <a:extLst>
+              <a:ext uri="{FF2B5EF4-FFF2-40B4-BE49-F238E27FC236}">
+                <a16:creationId xmlns:a16="http://schemas.microsoft.com/office/drawing/2014/main" id="{78C3F14A-9F57-4BAA-91BD-ED3585A5C46D}"/>
+              </a:ext>
+            </a:extLst>
+          </p:cNvPr>
+          <p:cNvSpPr>
+            <a:spLocks noGrp="1"/>
+          </p:cNvSpPr>
+          <p:nvPr>
+            <p:ph type="title" hasCustomPrompt="1"/>
+          </p:nvPr>
+        </p:nvSpPr>
+        <p:spPr/>
+        <p:txBody>
+          <a:bodyPr/>
+          <a:lstStyle/>
+          <a:p>
+            <a:r>
+              <a:rPr lang="nb-NO" dirty="0"/>
+              <a:t>Klikk for å legge til tittel</a:t>
+            </a:r>
+            <a:endParaRPr lang="en-GB" dirty="0"/>
+          </a:p>
+        </p:txBody>
+      </p:sp>
+      <p:sp>
+        <p:nvSpPr>
+          <p:cNvPr id="3" name="Plassholder for innhold 2">
+            <a:extLst>
+              <a:ext uri="{FF2B5EF4-FFF2-40B4-BE49-F238E27FC236}">
+                <a16:creationId xmlns:a16="http://schemas.microsoft.com/office/drawing/2014/main" id="{BE40007A-FB80-4EC6-9C91-EF337C6867B0}"/>
+              </a:ext>
+            </a:extLst>
+          </p:cNvPr>
+          <p:cNvSpPr>
+            <a:spLocks noGrp="1"/>
+          </p:cNvSpPr>
+          <p:nvPr>
+            <p:ph idx="1" hasCustomPrompt="1"/>
+          </p:nvPr>
+        </p:nvSpPr>
+        <p:spPr/>
+        <p:txBody>
+          <a:bodyPr/>
+          <a:lstStyle/>
+          <a:p>
+            <a:pPr lvl="0"/>
+            <a:r>
+              <a:rPr lang="nb-NO" dirty="0"/>
+              <a:t>Klikk for å legge til tekst </a:t>
+            </a:r>
+          </a:p>
+          <a:p>
+            <a:pPr lvl="1"/>
+            <a:r>
+              <a:rPr lang="en-GB" dirty="0"/>
+              <a:t>Andre </a:t>
+            </a:r>
+            <a:r>
+              <a:rPr lang="en-GB" dirty="0" err="1"/>
+              <a:t>nivå</a:t>
+            </a:r>
+            <a:endParaRPr lang="en-GB" dirty="0"/>
+          </a:p>
+          <a:p>
+            <a:pPr lvl="2"/>
+            <a:r>
+              <a:rPr lang="en-GB" dirty="0" err="1"/>
+              <a:t>Tredje</a:t>
+            </a:r>
+            <a:r>
+              <a:rPr lang="en-GB" dirty="0"/>
+              <a:t> </a:t>
+            </a:r>
+            <a:r>
+              <a:rPr lang="en-GB" dirty="0" err="1"/>
+              <a:t>nivå</a:t>
+            </a:r>
+            <a:endParaRPr lang="en-GB" dirty="0"/>
+          </a:p>
+          <a:p>
+            <a:pPr lvl="3"/>
+            <a:r>
+              <a:rPr lang="en-GB" dirty="0" err="1"/>
+              <a:t>Fjerde</a:t>
+            </a:r>
+            <a:r>
+              <a:rPr lang="en-GB" dirty="0"/>
+              <a:t> </a:t>
+            </a:r>
+            <a:r>
+              <a:rPr lang="en-GB" dirty="0" err="1"/>
+              <a:t>nivå</a:t>
+            </a:r>
+            <a:endParaRPr lang="en-GB" dirty="0"/>
+          </a:p>
+          <a:p>
+            <a:pPr lvl="4"/>
+            <a:r>
+              <a:rPr lang="en-GB" dirty="0" err="1"/>
+              <a:t>Femte</a:t>
+            </a:r>
+            <a:r>
+              <a:rPr lang="en-GB" dirty="0"/>
+              <a:t> </a:t>
+            </a:r>
+            <a:r>
+              <a:rPr lang="en-GB" dirty="0" err="1"/>
+              <a:t>nivå</a:t>
+            </a:r>
+            <a:endParaRPr lang="en-GB" dirty="0"/>
+          </a:p>
+        </p:txBody>
+      </p:sp>
+    </p:spTree>
+    <p:extLst>
+      <p:ext uri="{BB962C8B-B14F-4D97-AF65-F5344CB8AC3E}">
+        <p14:creationId xmlns:p14="http://schemas.microsoft.com/office/powerpoint/2010/main" val="4010123451"/>
+      </p:ext>
+    </p:extLst>
+  </p:cSld>
+  <p:clrMapOvr>
+    <a:masterClrMapping/>
+  </p:clrMapOvr>
+</p:sldLayout>
+</file>
+
+<file path=ppt/slideLayouts/slideLayout41.xml><?xml version="1.0" encoding="utf-8"?>
 <p:sldLayout xmlns:a="http://schemas.openxmlformats.org/drawingml/2006/main" xmlns:r="http://schemas.openxmlformats.org/officeDocument/2006/relationships" xmlns:p="http://schemas.openxmlformats.org/presentationml/2006/main" preserve="1" userDrawn="1">
   <p:cSld name="Bare tittel">
     <p:spTree>
@@ -6962,7 +7044,7 @@
 </p:sldLayout>
 </file>
 
-<file path=ppt/slideLayouts/slideLayout41.xml><?xml version="1.0" encoding="utf-8"?>
+<file path=ppt/slideLayouts/slideLayout42.xml><?xml version="1.0" encoding="utf-8"?>
 <p:sldLayout xmlns:a="http://schemas.openxmlformats.org/drawingml/2006/main" xmlns:r="http://schemas.openxmlformats.org/officeDocument/2006/relationships" xmlns:p="http://schemas.openxmlformats.org/presentationml/2006/main" type="blank" preserve="1">
   <p:cSld name="Tomt">
     <p:spTree>
@@ -6992,7 +7074,7 @@
 </p:sldLayout>
 </file>
 
-<file path=ppt/slideLayouts/slideLayout42.xml><?xml version="1.0" encoding="utf-8"?>
+<file path=ppt/slideLayouts/slideLayout43.xml><?xml version="1.0" encoding="utf-8"?>
 <p:sldLayout xmlns:a="http://schemas.openxmlformats.org/drawingml/2006/main" xmlns:r="http://schemas.openxmlformats.org/officeDocument/2006/relationships" xmlns:p="http://schemas.openxmlformats.org/presentationml/2006/main" preserve="1" userDrawn="1">
   <p:cSld name="Tittellysbilde">
     <p:spTree>
@@ -7224,7 +7306,7 @@
 </p:sldLayout>
 </file>
 
-<file path=ppt/slideLayouts/slideLayout43.xml><?xml version="1.0" encoding="utf-8"?>
+<file path=ppt/slideLayouts/slideLayout44.xml><?xml version="1.0" encoding="utf-8"?>
 <p:sldLayout xmlns:a="http://schemas.openxmlformats.org/drawingml/2006/main" xmlns:r="http://schemas.openxmlformats.org/officeDocument/2006/relationships" xmlns:p="http://schemas.openxmlformats.org/presentationml/2006/main" type="obj" preserve="1">
   <p:cSld name="Tittel og innhold">
     <p:spTree>
@@ -7372,7 +7454,7 @@
 </p:sldLayout>
 </file>
 
-<file path=ppt/slideLayouts/slideLayout44.xml><?xml version="1.0" encoding="utf-8"?>
+<file path=ppt/slideLayouts/slideLayout45.xml><?xml version="1.0" encoding="utf-8"?>
 <p:sldLayout xmlns:a="http://schemas.openxmlformats.org/drawingml/2006/main" xmlns:r="http://schemas.openxmlformats.org/officeDocument/2006/relationships" xmlns:p="http://schemas.openxmlformats.org/presentationml/2006/main" preserve="1" userDrawn="1">
   <p:cSld name="Bare tittel">
     <p:spTree>
@@ -7440,7 +7522,7 @@
 </p:sldLayout>
 </file>
 
-<file path=ppt/slideLayouts/slideLayout45.xml><?xml version="1.0" encoding="utf-8"?>
+<file path=ppt/slideLayouts/slideLayout46.xml><?xml version="1.0" encoding="utf-8"?>
 <p:sldLayout xmlns:a="http://schemas.openxmlformats.org/drawingml/2006/main" xmlns:r="http://schemas.openxmlformats.org/officeDocument/2006/relationships" xmlns:p="http://schemas.openxmlformats.org/presentationml/2006/main" type="blank" preserve="1">
   <p:cSld name="Tomt">
     <p:spTree>
@@ -8781,7 +8863,7 @@
           <p:nvPr userDrawn="1"/>
         </p:nvPicPr>
         <p:blipFill>
-          <a:blip r:embed="rId18" cstate="print">
+          <a:blip r:embed="rId19" cstate="print">
             <a:extLst>
               <a:ext uri="{28A0092B-C50C-407E-A947-70E740481C1C}">
                 <a14:useLocalDpi xmlns:a14="http://schemas.microsoft.com/office/drawing/2010/main" val="0"/>
@@ -8827,6 +8909,7 @@
     <p:sldLayoutId id="2147483655" r:id="rId14"/>
     <p:sldLayoutId id="2147483656" r:id="rId15"/>
     <p:sldLayoutId id="2147483657" r:id="rId16"/>
+    <p:sldLayoutId id="2147483727" r:id="rId17"/>
   </p:sldLayoutIdLst>
   <p:hf sldNum="0" hdr="0" ftr="0"/>
   <p:txStyles>
@@ -11806,7 +11889,7 @@
             <a:fld id="{404F54D4-8696-41B3-8696-2C19716F107F}" type="datetime1">
               <a:rPr lang="en-GB" smtClean="0"/>
               <a:pPr/>
-              <a:t>22/12/2021</a:t>
+              <a:t>13/07/2022</a:t>
             </a:fld>
             <a:endParaRPr lang="en-GB" dirty="0"/>
           </a:p>
@@ -12710,7 +12793,7 @@
   <a:extraClrSchemeLst/>
   <a:extLst>
     <a:ext uri="{05A4C25C-085E-4340-85A3-A5531E510DB2}">
-      <thm15:themeFamily xmlns:thm15="http://schemas.microsoft.com/office/thememl/2012/main" name="PP_MAL_ENGELSK.potx" id="{FA899120-C615-4350-AD9C-983C44CC8E49}" vid="{F93B7399-24CA-4E8E-AA30-7773ED0B0F85}"/>
+      <thm15:themeFamily xmlns:thm15="http://schemas.microsoft.com/office/thememl/2012/main" name="PP_MAL_ENGELSK" id="{7FF16780-9A86-436E-9F92-E2CE21D1ACDA}" vid="{0DD85E39-FCF3-49C0-927D-6442DF137939}"/>
     </a:ext>
   </a:extLst>
 </a:theme>
@@ -12971,7 +13054,7 @@
   <a:extraClrSchemeLst/>
   <a:extLst>
     <a:ext uri="{05A4C25C-085E-4340-85A3-A5531E510DB2}">
-      <thm15:themeFamily xmlns:thm15="http://schemas.microsoft.com/office/thememl/2012/main" name="PP_MAL_ENGELSK.potx" id="{FA899120-C615-4350-AD9C-983C44CC8E49}" vid="{95F91901-C1FB-43CA-8E73-DA64C9C01B0F}"/>
+      <thm15:themeFamily xmlns:thm15="http://schemas.microsoft.com/office/thememl/2012/main" name="PP_MAL_ENGELSK" id="{7FF16780-9A86-436E-9F92-E2CE21D1ACDA}" vid="{23D9FF39-DC6D-4783-8680-06D0C25A273E}"/>
     </a:ext>
   </a:extLst>
 </a:theme>
@@ -13266,7 +13349,7 @@
   <a:extraClrSchemeLst/>
   <a:extLst>
     <a:ext uri="{05A4C25C-085E-4340-85A3-A5531E510DB2}">
-      <thm15:themeFamily xmlns:thm15="http://schemas.microsoft.com/office/thememl/2012/main" name="PP_MAL_ENGELSK.potx" id="{FA899120-C615-4350-AD9C-983C44CC8E49}" vid="{38939A8E-1FE3-48ED-92A8-927C80A2B113}"/>
+      <thm15:themeFamily xmlns:thm15="http://schemas.microsoft.com/office/thememl/2012/main" name="PP_MAL_ENGELSK" id="{7FF16780-9A86-436E-9F92-E2CE21D1ACDA}" vid="{7E7C927E-12C4-48C3-A363-9A37D99A1E71}"/>
     </a:ext>
   </a:extLst>
 </a:theme>
@@ -13561,7 +13644,7 @@
   <a:extraClrSchemeLst/>
   <a:extLst>
     <a:ext uri="{05A4C25C-085E-4340-85A3-A5531E510DB2}">
-      <thm15:themeFamily xmlns:thm15="http://schemas.microsoft.com/office/thememl/2012/main" name="PP_MAL_ENGELSK.potx" id="{FA899120-C615-4350-AD9C-983C44CC8E49}" vid="{1D6F8BF2-B5D2-4981-BB9F-0A3154D3396A}"/>
+      <thm15:themeFamily xmlns:thm15="http://schemas.microsoft.com/office/thememl/2012/main" name="PP_MAL_ENGELSK" id="{7FF16780-9A86-436E-9F92-E2CE21D1ACDA}" vid="{59BDD43B-AB6F-4745-927F-D6869D73BC51}"/>
     </a:ext>
   </a:extLst>
 </a:theme>
@@ -13856,7 +13939,7 @@
   <a:extraClrSchemeLst/>
   <a:extLst>
     <a:ext uri="{05A4C25C-085E-4340-85A3-A5531E510DB2}">
-      <thm15:themeFamily xmlns:thm15="http://schemas.microsoft.com/office/thememl/2012/main" name="PP_MAL_ENGELSK.potx" id="{FA899120-C615-4350-AD9C-983C44CC8E49}" vid="{1AEA0B9E-DE30-424A-88D7-307E84BA88E7}"/>
+      <thm15:themeFamily xmlns:thm15="http://schemas.microsoft.com/office/thememl/2012/main" name="PP_MAL_ENGELSK" id="{7FF16780-9A86-436E-9F92-E2CE21D1ACDA}" vid="{9F70CB34-10DC-439B-89EB-3C6E2A328EE1}"/>
     </a:ext>
   </a:extLst>
 </a:theme>
@@ -14151,7 +14234,7 @@
   <a:extraClrSchemeLst/>
   <a:extLst>
     <a:ext uri="{05A4C25C-085E-4340-85A3-A5531E510DB2}">
-      <thm15:themeFamily xmlns:thm15="http://schemas.microsoft.com/office/thememl/2012/main" name="PP_MAL_ENGELSK.potx" id="{FA899120-C615-4350-AD9C-983C44CC8E49}" vid="{B98D4973-DCB3-4D2F-9729-2069F61BDFA4}"/>
+      <thm15:themeFamily xmlns:thm15="http://schemas.microsoft.com/office/thememl/2012/main" name="PP_MAL_ENGELSK" id="{7FF16780-9A86-436E-9F92-E2CE21D1ACDA}" vid="{BB286362-3C54-4BB0-8C59-B347425DD322}"/>
     </a:ext>
   </a:extLst>
 </a:theme>
@@ -14446,7 +14529,7 @@
   <a:extraClrSchemeLst/>
   <a:extLst>
     <a:ext uri="{05A4C25C-085E-4340-85A3-A5531E510DB2}">
-      <thm15:themeFamily xmlns:thm15="http://schemas.microsoft.com/office/thememl/2012/main" name="PP_MAL_ENGELSK.potx" id="{FA899120-C615-4350-AD9C-983C44CC8E49}" vid="{82570203-354E-400C-9959-61AC7C9B0ADB}"/>
+      <thm15:themeFamily xmlns:thm15="http://schemas.microsoft.com/office/thememl/2012/main" name="PP_MAL_ENGELSK" id="{7FF16780-9A86-436E-9F92-E2CE21D1ACDA}" vid="{19896B24-30F5-4393-8BD4-9AA50E2438FC}"/>
     </a:ext>
   </a:extLst>
 </a:theme>
@@ -14714,12 +14797,9 @@
 </file>
 
 <file path=customXml/item1.xml><?xml version="1.0" encoding="utf-8"?>
-<?mso-contentType ?>
-<FormTemplates xmlns="http://schemas.microsoft.com/sharepoint/v3/contenttype/forms">
-  <Display>DocumentLibraryForm</Display>
-  <Edit>DocumentLibraryForm</Edit>
-  <New>DocumentLibraryForm</New>
-</FormTemplates>
+<p:properties xmlns:p="http://schemas.microsoft.com/office/2006/metadata/properties" xmlns:xsi="http://www.w3.org/2001/XMLSchema-instance" xmlns:pc="http://schemas.microsoft.com/office/infopath/2007/PartnerControls">
+  <documentManagement/>
+</p:properties>
 </file>
 
 <file path=customXml/item2.xml><?xml version="1.0" encoding="utf-8"?>
@@ -14913,15 +14993,19 @@
 </file>
 
 <file path=customXml/item3.xml><?xml version="1.0" encoding="utf-8"?>
-<p:properties xmlns:p="http://schemas.microsoft.com/office/2006/metadata/properties" xmlns:xsi="http://www.w3.org/2001/XMLSchema-instance" xmlns:pc="http://schemas.microsoft.com/office/infopath/2007/PartnerControls">
-  <documentManagement/>
-</p:properties>
+<?mso-contentType ?>
+<FormTemplates xmlns="http://schemas.microsoft.com/sharepoint/v3/contenttype/forms">
+  <Display>DocumentLibraryForm</Display>
+  <Edit>DocumentLibraryForm</Edit>
+  <New>DocumentLibraryForm</New>
+</FormTemplates>
 </file>
 
 <file path=customXml/itemProps1.xml><?xml version="1.0" encoding="utf-8"?>
-<ds:datastoreItem xmlns:ds="http://schemas.openxmlformats.org/officeDocument/2006/customXml" ds:itemID="{41480D56-2635-4394-A3AA-0048879B9D7B}">
+<ds:datastoreItem xmlns:ds="http://schemas.openxmlformats.org/officeDocument/2006/customXml" ds:itemID="{89BDE265-0E18-4FCF-BB19-9A5B75220CCA}">
   <ds:schemaRefs>
-    <ds:schemaRef ds:uri="http://schemas.microsoft.com/sharepoint/v3/contenttype/forms"/>
+    <ds:schemaRef ds:uri="http://schemas.microsoft.com/office/2006/metadata/properties"/>
+    <ds:schemaRef ds:uri="http://schemas.microsoft.com/office/infopath/2007/PartnerControls"/>
   </ds:schemaRefs>
 </ds:datastoreItem>
 </file>
@@ -14945,10 +15029,9 @@
 </file>
 
 <file path=customXml/itemProps3.xml><?xml version="1.0" encoding="utf-8"?>
-<ds:datastoreItem xmlns:ds="http://schemas.openxmlformats.org/officeDocument/2006/customXml" ds:itemID="{89BDE265-0E18-4FCF-BB19-9A5B75220CCA}">
+<ds:datastoreItem xmlns:ds="http://schemas.openxmlformats.org/officeDocument/2006/customXml" ds:itemID="{41480D56-2635-4394-A3AA-0048879B9D7B}">
   <ds:schemaRefs>
-    <ds:schemaRef ds:uri="http://schemas.microsoft.com/office/2006/metadata/properties"/>
-    <ds:schemaRef ds:uri="http://schemas.microsoft.com/office/infopath/2007/PartnerControls"/>
+    <ds:schemaRef ds:uri="http://schemas.microsoft.com/sharepoint/v3/contenttype/forms"/>
   </ds:schemaRefs>
 </ds:datastoreItem>
 </file>